--- a/2020182028이규원_2차 발표자료.pptx
+++ b/2020182028이규원_2차 발표자료.pptx
@@ -7,7 +7,7 @@
   <p:sldIdLst>
     <p:sldId id="263" r:id="rId2"/>
     <p:sldId id="260" r:id="rId3"/>
-    <p:sldId id="261" r:id="rId4"/>
+    <p:sldId id="264" r:id="rId4"/>
   </p:sldIdLst>
   <p:sldSz cx="12192000" cy="6858000"/>
   <p:notesSz cx="6858000" cy="9144000"/>
@@ -4664,1198 +4664,132 @@
       </p:grpSpPr>
       <p:sp>
         <p:nvSpPr>
-          <p:cNvPr id="18" name="Rectangle 16">
+          <p:cNvPr id="2" name="제목 1">
             <a:extLst>
               <a:ext uri="{FF2B5EF4-FFF2-40B4-BE49-F238E27FC236}">
-                <a16:creationId xmlns:a16="http://schemas.microsoft.com/office/drawing/2014/main" id="{30B3D270-B19D-4DB8-BD3C-3E707485B515}"/>
-              </a:ext>
-              <a:ext uri="{C183D7F6-B498-43B3-948B-1728B52AA6E4}">
-                <adec:decorative xmlns:adec="http://schemas.microsoft.com/office/drawing/2017/decorative" val="1"/>
+                <a16:creationId xmlns:a16="http://schemas.microsoft.com/office/drawing/2014/main" id="{3D23CED3-EEFA-82C5-C788-A56EE6B4587D}"/>
               </a:ext>
             </a:extLst>
           </p:cNvPr>
           <p:cNvSpPr>
-            <a:spLocks noGrp="1" noRot="1" noChangeAspect="1" noMove="1" noResize="1" noEditPoints="1" noAdjustHandles="1" noChangeArrowheads="1" noChangeShapeType="1" noTextEdit="1"/>
-          </p:cNvSpPr>
-          <p:nvPr>
-            <p:extLst>
-              <p:ext uri="{386F3935-93C4-4BCD-93E2-E3B085C9AB24}">
-                <p16:designElem xmlns:p16="http://schemas.microsoft.com/office/powerpoint/2015/main" val="1"/>
-              </p:ext>
-            </p:extLst>
+            <a:spLocks noGrp="1"/>
+          </p:cNvSpPr>
+          <p:nvPr>
+            <p:ph type="title"/>
           </p:nvPr>
         </p:nvSpPr>
         <p:spPr>
           <a:xfrm>
-            <a:off x="1" y="0"/>
-            <a:ext cx="4055416" cy="6858000"/>
+            <a:off x="1261872" y="475058"/>
+            <a:ext cx="9692640" cy="662781"/>
+          </a:xfrm>
+        </p:spPr>
+        <p:txBody>
+          <a:bodyPr>
+            <a:normAutofit fontScale="90000"/>
+          </a:bodyPr>
+          <a:lstStyle/>
+          <a:p>
+            <a:pPr algn="ctr"/>
+            <a:r>
+              <a:rPr lang="en-US" altLang="ko-KR" dirty="0" err="1">
+                <a:latin typeface="+mj-ea"/>
+              </a:rPr>
+              <a:t>Github</a:t>
+            </a:r>
+            <a:r>
+              <a:rPr lang="en-US" altLang="ko-KR" dirty="0">
+                <a:latin typeface="+mj-ea"/>
+              </a:rPr>
+              <a:t> </a:t>
+            </a:r>
+            <a:r>
+              <a:rPr lang="ko-KR" altLang="en-US" dirty="0" err="1">
+                <a:latin typeface="+mj-ea"/>
+              </a:rPr>
+              <a:t>커밋</a:t>
+            </a:r>
+            <a:r>
+              <a:rPr lang="ko-KR" altLang="en-US" dirty="0">
+                <a:latin typeface="+mj-ea"/>
+              </a:rPr>
+              <a:t> 통계</a:t>
+            </a:r>
+          </a:p>
+        </p:txBody>
+      </p:sp>
+      <p:sp>
+        <p:nvSpPr>
+          <p:cNvPr id="3" name="내용 개체 틀 2">
+            <a:extLst>
+              <a:ext uri="{FF2B5EF4-FFF2-40B4-BE49-F238E27FC236}">
+                <a16:creationId xmlns:a16="http://schemas.microsoft.com/office/drawing/2014/main" id="{3FC28040-5E37-FDFF-B7F7-A490FD9E2D47}"/>
+              </a:ext>
+            </a:extLst>
+          </p:cNvPr>
+          <p:cNvSpPr>
+            <a:spLocks noGrp="1"/>
+          </p:cNvSpPr>
+          <p:nvPr>
+            <p:ph idx="1"/>
+          </p:nvPr>
+        </p:nvSpPr>
+        <p:spPr>
+          <a:xfrm>
+            <a:off x="1261872" y="1933575"/>
+            <a:ext cx="4401509" cy="4246562"/>
+          </a:xfrm>
+        </p:spPr>
+        <p:txBody>
+          <a:bodyPr anchor="ctr">
+            <a:normAutofit/>
+          </a:bodyPr>
+          <a:lstStyle/>
+          <a:p>
+            <a:pPr marL="0" indent="0">
+              <a:buNone/>
+            </a:pPr>
+            <a:endParaRPr lang="ko-KR" altLang="en-US" dirty="0">
+              <a:latin typeface="+mn-ea"/>
+              <a:cs typeface="Aharoni" panose="020F0502020204030204" pitchFamily="2" charset="-79"/>
+            </a:endParaRPr>
+          </a:p>
+        </p:txBody>
+      </p:sp>
+      <p:pic>
+        <p:nvPicPr>
+          <p:cNvPr id="10" name="그림 9">
+            <a:extLst>
+              <a:ext uri="{FF2B5EF4-FFF2-40B4-BE49-F238E27FC236}">
+                <a16:creationId xmlns:a16="http://schemas.microsoft.com/office/drawing/2014/main" id="{FD7E534B-8286-B5B2-C967-42C2FC073DDD}"/>
+              </a:ext>
+            </a:extLst>
+          </p:cNvPr>
+          <p:cNvPicPr>
+            <a:picLocks noChangeAspect="1"/>
+          </p:cNvPicPr>
+          <p:nvPr/>
+        </p:nvPicPr>
+        <p:blipFill>
+          <a:blip r:embed="rId2"/>
+          <a:stretch>
+            <a:fillRect/>
+          </a:stretch>
+        </p:blipFill>
+        <p:spPr>
+          <a:xfrm>
+            <a:off x="1261872" y="1329750"/>
+            <a:ext cx="9168599" cy="5053192"/>
           </a:xfrm>
           <a:prstGeom prst="rect">
             <a:avLst/>
           </a:prstGeom>
-          <a:solidFill>
-            <a:schemeClr val="accent1"/>
-          </a:solidFill>
-          <a:ln>
-            <a:noFill/>
-          </a:ln>
         </p:spPr>
-        <p:style>
-          <a:lnRef idx="0">
-            <a:scrgbClr r="0" g="0" b="0"/>
-          </a:lnRef>
-          <a:fillRef idx="0">
-            <a:scrgbClr r="0" g="0" b="0"/>
-          </a:fillRef>
-          <a:effectRef idx="0">
-            <a:scrgbClr r="0" g="0" b="0"/>
-          </a:effectRef>
-          <a:fontRef idx="minor">
-            <a:schemeClr val="lt1"/>
-          </a:fontRef>
-        </p:style>
-        <p:txBody>
-          <a:bodyPr rtlCol="0" anchor="ctr"/>
-          <a:lstStyle/>
-          <a:p>
-            <a:pPr algn="ctr"/>
-            <a:endParaRPr lang="en-US"/>
-          </a:p>
-        </p:txBody>
-      </p:sp>
-      <p:sp>
-        <p:nvSpPr>
-          <p:cNvPr id="5" name="제목 4">
-            <a:extLst>
-              <a:ext uri="{FF2B5EF4-FFF2-40B4-BE49-F238E27FC236}">
-                <a16:creationId xmlns:a16="http://schemas.microsoft.com/office/drawing/2014/main" id="{595D7412-7302-58A3-1232-1C7C3FA732EC}"/>
-              </a:ext>
-            </a:extLst>
-          </p:cNvPr>
-          <p:cNvSpPr>
-            <a:spLocks noGrp="1"/>
-          </p:cNvSpPr>
-          <p:nvPr>
-            <p:ph type="title"/>
-          </p:nvPr>
-        </p:nvSpPr>
-        <p:spPr>
-          <a:xfrm>
-            <a:off x="566058" y="836023"/>
-            <a:ext cx="2718788" cy="5183777"/>
-          </a:xfrm>
-        </p:spPr>
-        <p:txBody>
-          <a:bodyPr anchor="ctr">
-            <a:normAutofit/>
-          </a:bodyPr>
-          <a:lstStyle/>
-          <a:p>
-            <a:r>
-              <a:rPr lang="ko-KR" altLang="en-US" sz="3600" dirty="0">
-                <a:solidFill>
-                  <a:srgbClr val="FFFFFF"/>
-                </a:solidFill>
-              </a:rPr>
-              <a:t>개발 일정</a:t>
-            </a:r>
-          </a:p>
-        </p:txBody>
-      </p:sp>
-      <p:sp>
-        <p:nvSpPr>
-          <p:cNvPr id="19" name="Rectangle 18">
-            <a:extLst>
-              <a:ext uri="{FF2B5EF4-FFF2-40B4-BE49-F238E27FC236}">
-                <a16:creationId xmlns:a16="http://schemas.microsoft.com/office/drawing/2014/main" id="{49BDAF94-B52E-4307-B54C-EF413086FC77}"/>
-              </a:ext>
-              <a:ext uri="{C183D7F6-B498-43B3-948B-1728B52AA6E4}">
-                <adec:decorative xmlns:adec="http://schemas.microsoft.com/office/drawing/2017/decorative" val="1"/>
-              </a:ext>
-            </a:extLst>
-          </p:cNvPr>
-          <p:cNvSpPr>
-            <a:spLocks noGrp="1" noRot="1" noChangeAspect="1" noMove="1" noResize="1" noEditPoints="1" noAdjustHandles="1" noChangeArrowheads="1" noChangeShapeType="1" noTextEdit="1"/>
-          </p:cNvSpPr>
-          <p:nvPr>
-            <p:extLst>
-              <p:ext uri="{386F3935-93C4-4BCD-93E2-E3B085C9AB24}">
-                <p16:designElem xmlns:p16="http://schemas.microsoft.com/office/powerpoint/2015/main" val="1"/>
-              </p:ext>
-            </p:extLst>
-          </p:nvPr>
-        </p:nvSpPr>
-        <p:spPr>
-          <a:xfrm>
-            <a:off x="11292840" y="0"/>
-            <a:ext cx="914400" cy="6858000"/>
-          </a:xfrm>
-          <a:prstGeom prst="rect">
-            <a:avLst/>
-          </a:prstGeom>
-          <a:solidFill>
-            <a:schemeClr val="tx2">
-              <a:lumMod val="75000"/>
-            </a:schemeClr>
-          </a:solidFill>
-          <a:ln>
-            <a:noFill/>
-          </a:ln>
-        </p:spPr>
-        <p:style>
-          <a:lnRef idx="2">
-            <a:schemeClr val="accent1">
-              <a:shade val="50000"/>
-            </a:schemeClr>
-          </a:lnRef>
-          <a:fillRef idx="1">
-            <a:schemeClr val="accent1"/>
-          </a:fillRef>
-          <a:effectRef idx="0">
-            <a:schemeClr val="accent1"/>
-          </a:effectRef>
-          <a:fontRef idx="minor">
-            <a:schemeClr val="lt1"/>
-          </a:fontRef>
-        </p:style>
-        <p:txBody>
-          <a:bodyPr/>
-          <a:lstStyle/>
-          <a:p>
-            <a:endParaRPr lang="ko-KR" altLang="en-US"/>
-          </a:p>
-        </p:txBody>
-      </p:sp>
-      <p:graphicFrame>
-        <p:nvGraphicFramePr>
-          <p:cNvPr id="12" name="내용 개체 틀 11">
-            <a:extLst>
-              <a:ext uri="{FF2B5EF4-FFF2-40B4-BE49-F238E27FC236}">
-                <a16:creationId xmlns:a16="http://schemas.microsoft.com/office/drawing/2014/main" id="{40F02696-E39C-09CA-A43D-36C7C7A0C128}"/>
-              </a:ext>
-            </a:extLst>
-          </p:cNvPr>
-          <p:cNvGraphicFramePr>
-            <a:graphicFrameLocks noGrp="1"/>
-          </p:cNvGraphicFramePr>
-          <p:nvPr>
-            <p:ph idx="1"/>
-            <p:extLst>
-              <p:ext uri="{D42A27DB-BD31-4B8C-83A1-F6EECF244321}">
-                <p14:modId xmlns:p14="http://schemas.microsoft.com/office/powerpoint/2010/main" val="1164792926"/>
-              </p:ext>
-            </p:extLst>
-          </p:nvPr>
-        </p:nvGraphicFramePr>
-        <p:xfrm>
-          <a:off x="4658815" y="1392444"/>
-          <a:ext cx="5990136" cy="3778467"/>
-        </p:xfrm>
-        <a:graphic>
-          <a:graphicData uri="http://schemas.openxmlformats.org/drawingml/2006/table">
-            <a:tbl>
-              <a:tblPr bandRow="1"/>
-              <a:tblGrid>
-                <a:gridCol w="943285">
-                  <a:extLst>
-                    <a:ext uri="{9D8B030D-6E8A-4147-A177-3AD203B41FA5}">
-                      <a16:colId xmlns:a16="http://schemas.microsoft.com/office/drawing/2014/main" val="2432115135"/>
-                    </a:ext>
-                  </a:extLst>
-                </a:gridCol>
-                <a:gridCol w="5046851">
-                  <a:extLst>
-                    <a:ext uri="{9D8B030D-6E8A-4147-A177-3AD203B41FA5}">
-                      <a16:colId xmlns:a16="http://schemas.microsoft.com/office/drawing/2014/main" val="3431138056"/>
-                    </a:ext>
-                  </a:extLst>
-                </a:gridCol>
-              </a:tblGrid>
-              <a:tr h="422081">
-                <a:tc>
-                  <a:txBody>
-                    <a:bodyPr/>
-                    <a:lstStyle/>
-                    <a:p>
-                      <a:pPr algn="l" fontAlgn="t" latinLnBrk="1">
-                        <a:spcBef>
-                          <a:spcPts val="0"/>
-                        </a:spcBef>
-                        <a:spcAft>
-                          <a:spcPts val="0"/>
-                        </a:spcAft>
-                      </a:pPr>
-                      <a:r>
-                        <a:rPr lang="en-US" altLang="ko-KR" sz="1900" b="0" i="0" u="none" strike="noStrike" dirty="0">
-                          <a:effectLst/>
-                          <a:latin typeface="+mn-ea"/>
-                          <a:ea typeface="+mn-ea"/>
-                        </a:rPr>
-                        <a:t>1</a:t>
-                      </a:r>
-                      <a:r>
-                        <a:rPr lang="ko-KR" altLang="en-US" sz="1900" b="0" i="0" u="none" strike="noStrike" dirty="0">
-                          <a:effectLst/>
-                          <a:latin typeface="+mn-ea"/>
-                          <a:ea typeface="+mn-ea"/>
-                        </a:rPr>
-                        <a:t>주차</a:t>
-                      </a:r>
-                    </a:p>
-                  </a:txBody>
-                  <a:tcPr marL="95927" marR="95927" marT="47964" marB="47964">
-                    <a:lnL>
-                      <a:noFill/>
-                    </a:lnL>
-                    <a:lnR>
-                      <a:noFill/>
-                    </a:lnR>
-                    <a:lnT>
-                      <a:noFill/>
-                    </a:lnT>
-                    <a:lnB>
-                      <a:noFill/>
-                    </a:lnB>
-                  </a:tcPr>
-                </a:tc>
-                <a:tc>
-                  <a:txBody>
-                    <a:bodyPr/>
-                    <a:lstStyle/>
-                    <a:p>
-                      <a:pPr algn="l" fontAlgn="t" latinLnBrk="1">
-                        <a:spcBef>
-                          <a:spcPts val="0"/>
-                        </a:spcBef>
-                        <a:spcAft>
-                          <a:spcPts val="0"/>
-                        </a:spcAft>
-                      </a:pPr>
-                      <a:r>
-                        <a:rPr lang="ko-KR" altLang="en-US" sz="1900" b="0" i="0" u="none" strike="noStrike">
-                          <a:effectLst/>
-                          <a:latin typeface="+mn-ea"/>
-                          <a:ea typeface="+mn-ea"/>
-                        </a:rPr>
-                        <a:t>리소스 준비</a:t>
-                      </a:r>
-                      <a:endParaRPr lang="ko-KR" altLang="en-US" sz="1900" b="0" i="0" u="none" strike="noStrike" dirty="0">
-                        <a:effectLst/>
-                        <a:latin typeface="+mn-ea"/>
-                        <a:ea typeface="+mn-ea"/>
-                      </a:endParaRPr>
-                    </a:p>
-                  </a:txBody>
-                  <a:tcPr marL="95927" marR="95927" marT="47964" marB="47964">
-                    <a:lnL>
-                      <a:noFill/>
-                    </a:lnL>
-                    <a:lnR>
-                      <a:noFill/>
-                    </a:lnR>
-                    <a:lnT>
-                      <a:noFill/>
-                    </a:lnT>
-                    <a:lnB>
-                      <a:noFill/>
-                    </a:lnB>
-                  </a:tcPr>
-                </a:tc>
-                <a:extLst>
-                  <a:ext uri="{0D108BD9-81ED-4DB2-BD59-A6C34878D82A}">
-                    <a16:rowId xmlns:a16="http://schemas.microsoft.com/office/drawing/2014/main" val="3365742758"/>
-                  </a:ext>
-                </a:extLst>
-              </a:tr>
-              <a:tr h="422081">
-                <a:tc>
-                  <a:txBody>
-                    <a:bodyPr/>
-                    <a:lstStyle/>
-                    <a:p>
-                      <a:pPr algn="l" fontAlgn="t" latinLnBrk="1">
-                        <a:spcBef>
-                          <a:spcPts val="0"/>
-                        </a:spcBef>
-                        <a:spcAft>
-                          <a:spcPts val="0"/>
-                        </a:spcAft>
-                      </a:pPr>
-                      <a:r>
-                        <a:rPr lang="en-US" altLang="ko-KR" sz="1900" b="0" i="0" u="none" strike="noStrike" dirty="0">
-                          <a:effectLst/>
-                          <a:latin typeface="+mn-ea"/>
-                          <a:ea typeface="+mn-ea"/>
-                        </a:rPr>
-                        <a:t>2</a:t>
-                      </a:r>
-                      <a:r>
-                        <a:rPr lang="ko-KR" altLang="en-US" sz="1900" b="0" i="0" u="none" strike="noStrike" dirty="0">
-                          <a:effectLst/>
-                          <a:latin typeface="+mn-ea"/>
-                          <a:ea typeface="+mn-ea"/>
-                        </a:rPr>
-                        <a:t>주차</a:t>
-                      </a:r>
-                    </a:p>
-                  </a:txBody>
-                  <a:tcPr marL="95927" marR="95927" marT="47964" marB="47964">
-                    <a:lnL>
-                      <a:noFill/>
-                    </a:lnL>
-                    <a:lnR>
-                      <a:noFill/>
-                    </a:lnR>
-                    <a:lnT>
-                      <a:noFill/>
-                    </a:lnT>
-                    <a:lnB>
-                      <a:noFill/>
-                    </a:lnB>
-                  </a:tcPr>
-                </a:tc>
-                <a:tc>
-                  <a:txBody>
-                    <a:bodyPr/>
-                    <a:lstStyle/>
-                    <a:p>
-                      <a:pPr algn="l" fontAlgn="t" latinLnBrk="1">
-                        <a:spcBef>
-                          <a:spcPts val="0"/>
-                        </a:spcBef>
-                        <a:spcAft>
-                          <a:spcPts val="0"/>
-                        </a:spcAft>
-                      </a:pPr>
-                      <a:r>
-                        <a:rPr lang="ko-KR" altLang="en-US" sz="1900" b="0" i="0" u="none" strike="noStrike">
-                          <a:effectLst/>
-                          <a:latin typeface="+mn-ea"/>
-                          <a:ea typeface="+mn-ea"/>
-                        </a:rPr>
-                        <a:t>플레이어</a:t>
-                      </a:r>
-                      <a:r>
-                        <a:rPr lang="en-US" altLang="ko-KR" sz="1900" b="0" i="0" u="none" strike="noStrike">
-                          <a:effectLst/>
-                          <a:latin typeface="+mn-ea"/>
-                          <a:ea typeface="+mn-ea"/>
-                        </a:rPr>
-                        <a:t>, </a:t>
-                      </a:r>
-                      <a:r>
-                        <a:rPr lang="ko-KR" altLang="en-US" sz="1900" b="0" i="0" u="none" strike="noStrike">
-                          <a:effectLst/>
-                          <a:latin typeface="+mn-ea"/>
-                          <a:ea typeface="+mn-ea"/>
-                        </a:rPr>
-                        <a:t>배경 코트 그리기</a:t>
-                      </a:r>
-                      <a:endParaRPr lang="ko-KR" altLang="en-US" sz="1900" b="0" i="0" u="none" strike="noStrike" dirty="0">
-                        <a:effectLst/>
-                        <a:latin typeface="+mn-ea"/>
-                        <a:ea typeface="+mn-ea"/>
-                      </a:endParaRPr>
-                    </a:p>
-                  </a:txBody>
-                  <a:tcPr marL="95927" marR="95927" marT="47964" marB="47964">
-                    <a:lnL>
-                      <a:noFill/>
-                    </a:lnL>
-                    <a:lnR>
-                      <a:noFill/>
-                    </a:lnR>
-                    <a:lnT>
-                      <a:noFill/>
-                    </a:lnT>
-                    <a:lnB>
-                      <a:noFill/>
-                    </a:lnB>
-                  </a:tcPr>
-                </a:tc>
-                <a:extLst>
-                  <a:ext uri="{0D108BD9-81ED-4DB2-BD59-A6C34878D82A}">
-                    <a16:rowId xmlns:a16="http://schemas.microsoft.com/office/drawing/2014/main" val="2492520211"/>
-                  </a:ext>
-                </a:extLst>
-              </a:tr>
-              <a:tr h="401819">
-                <a:tc>
-                  <a:txBody>
-                    <a:bodyPr/>
-                    <a:lstStyle/>
-                    <a:p>
-                      <a:pPr algn="l" fontAlgn="t" latinLnBrk="1">
-                        <a:spcBef>
-                          <a:spcPts val="0"/>
-                        </a:spcBef>
-                        <a:spcAft>
-                          <a:spcPts val="0"/>
-                        </a:spcAft>
-                      </a:pPr>
-                      <a:r>
-                        <a:rPr lang="en-US" altLang="ko-KR" sz="1900" b="0" i="0" u="none" strike="noStrike">
-                          <a:effectLst/>
-                          <a:latin typeface="+mn-ea"/>
-                          <a:ea typeface="+mn-ea"/>
-                        </a:rPr>
-                        <a:t>3</a:t>
-                      </a:r>
-                      <a:r>
-                        <a:rPr lang="ko-KR" altLang="en-US" sz="1900" b="0" i="0" u="none" strike="noStrike">
-                          <a:effectLst/>
-                          <a:latin typeface="+mn-ea"/>
-                          <a:ea typeface="+mn-ea"/>
-                        </a:rPr>
-                        <a:t>주차</a:t>
-                      </a:r>
-                      <a:endParaRPr lang="ko-KR" altLang="en-US" sz="1900" b="0" i="0" u="none" strike="noStrike" dirty="0">
-                        <a:effectLst/>
-                        <a:latin typeface="+mn-ea"/>
-                        <a:ea typeface="+mn-ea"/>
-                      </a:endParaRPr>
-                    </a:p>
-                  </a:txBody>
-                  <a:tcPr marL="95927" marR="95927" marT="47964" marB="47964">
-                    <a:lnL>
-                      <a:noFill/>
-                    </a:lnL>
-                    <a:lnR>
-                      <a:noFill/>
-                    </a:lnR>
-                    <a:lnT>
-                      <a:noFill/>
-                    </a:lnT>
-                    <a:lnB>
-                      <a:noFill/>
-                    </a:lnB>
-                  </a:tcPr>
-                </a:tc>
-                <a:tc>
-                  <a:txBody>
-                    <a:bodyPr/>
-                    <a:lstStyle/>
-                    <a:p>
-                      <a:pPr algn="l" fontAlgn="t" latinLnBrk="1">
-                        <a:spcBef>
-                          <a:spcPts val="0"/>
-                        </a:spcBef>
-                        <a:spcAft>
-                          <a:spcPts val="0"/>
-                        </a:spcAft>
-                      </a:pPr>
-                      <a:r>
-                        <a:rPr lang="ko-KR" altLang="en-US" sz="1900" b="0" i="0" u="none" strike="noStrike" dirty="0">
-                          <a:effectLst/>
-                          <a:latin typeface="+mn-ea"/>
-                          <a:ea typeface="+mn-ea"/>
-                        </a:rPr>
-                        <a:t>공 </a:t>
-                      </a:r>
-                      <a:r>
-                        <a:rPr lang="ko-KR" altLang="en-US" sz="1900" b="0" i="0" u="none" strike="noStrike" dirty="0" err="1">
-                          <a:effectLst/>
-                          <a:latin typeface="+mn-ea"/>
-                          <a:ea typeface="+mn-ea"/>
-                        </a:rPr>
-                        <a:t>충돌체</a:t>
-                      </a:r>
-                      <a:r>
-                        <a:rPr lang="en-US" altLang="ko-KR" sz="1900" b="0" i="0" u="none" strike="noStrike" dirty="0">
-                          <a:effectLst/>
-                          <a:latin typeface="+mn-ea"/>
-                          <a:ea typeface="+mn-ea"/>
-                        </a:rPr>
-                        <a:t>, </a:t>
-                      </a:r>
-                      <a:r>
-                        <a:rPr lang="ko-KR" altLang="en-US" sz="1900" b="0" i="0" u="none" strike="noStrike" dirty="0">
-                          <a:effectLst/>
-                          <a:latin typeface="+mn-ea"/>
-                          <a:ea typeface="+mn-ea"/>
-                        </a:rPr>
-                        <a:t>라켓의 충돌처리 구현</a:t>
-                      </a:r>
-                    </a:p>
-                  </a:txBody>
-                  <a:tcPr marL="95927" marR="95927" marT="47964" marB="47964">
-                    <a:lnL>
-                      <a:noFill/>
-                    </a:lnL>
-                    <a:lnR>
-                      <a:noFill/>
-                    </a:lnR>
-                    <a:lnT>
-                      <a:noFill/>
-                    </a:lnT>
-                    <a:lnB>
-                      <a:noFill/>
-                    </a:lnB>
-                  </a:tcPr>
-                </a:tc>
-                <a:extLst>
-                  <a:ext uri="{0D108BD9-81ED-4DB2-BD59-A6C34878D82A}">
-                    <a16:rowId xmlns:a16="http://schemas.microsoft.com/office/drawing/2014/main" val="3602429788"/>
-                  </a:ext>
-                </a:extLst>
-              </a:tr>
-              <a:tr h="422081">
-                <a:tc>
-                  <a:txBody>
-                    <a:bodyPr/>
-                    <a:lstStyle/>
-                    <a:p>
-                      <a:pPr algn="l" fontAlgn="t" latinLnBrk="1">
-                        <a:spcBef>
-                          <a:spcPts val="0"/>
-                        </a:spcBef>
-                        <a:spcAft>
-                          <a:spcPts val="0"/>
-                        </a:spcAft>
-                      </a:pPr>
-                      <a:r>
-                        <a:rPr lang="en-US" altLang="ko-KR" sz="1900" b="0" i="0" u="none" strike="noStrike">
-                          <a:effectLst/>
-                          <a:latin typeface="+mn-ea"/>
-                          <a:ea typeface="+mn-ea"/>
-                        </a:rPr>
-                        <a:t>4</a:t>
-                      </a:r>
-                      <a:r>
-                        <a:rPr lang="ko-KR" altLang="en-US" sz="1900" b="0" i="0" u="none" strike="noStrike">
-                          <a:effectLst/>
-                          <a:latin typeface="+mn-ea"/>
-                          <a:ea typeface="+mn-ea"/>
-                        </a:rPr>
-                        <a:t>주차</a:t>
-                      </a:r>
-                      <a:endParaRPr lang="ko-KR" altLang="en-US" sz="1900" b="0" i="0" u="none" strike="noStrike" dirty="0">
-                        <a:effectLst/>
-                        <a:latin typeface="+mn-ea"/>
-                        <a:ea typeface="+mn-ea"/>
-                      </a:endParaRPr>
-                    </a:p>
-                  </a:txBody>
-                  <a:tcPr marL="95927" marR="95927" marT="47964" marB="47964">
-                    <a:lnL>
-                      <a:noFill/>
-                    </a:lnL>
-                    <a:lnR>
-                      <a:noFill/>
-                    </a:lnR>
-                    <a:lnT>
-                      <a:noFill/>
-                    </a:lnT>
-                    <a:lnB>
-                      <a:noFill/>
-                    </a:lnB>
-                  </a:tcPr>
-                </a:tc>
-                <a:tc>
-                  <a:txBody>
-                    <a:bodyPr/>
-                    <a:lstStyle/>
-                    <a:p>
-                      <a:pPr algn="l" fontAlgn="t" latinLnBrk="1">
-                        <a:spcBef>
-                          <a:spcPts val="0"/>
-                        </a:spcBef>
-                        <a:spcAft>
-                          <a:spcPts val="0"/>
-                        </a:spcAft>
-                      </a:pPr>
-                      <a:r>
-                        <a:rPr lang="en-US" altLang="ko-KR" sz="1900" b="0" i="0" u="none" strike="noStrike" dirty="0">
-                          <a:effectLst/>
-                          <a:latin typeface="+mn-ea"/>
-                          <a:ea typeface="+mn-ea"/>
-                        </a:rPr>
-                        <a:t>AI </a:t>
-                      </a:r>
-                      <a:r>
-                        <a:rPr lang="ko-KR" altLang="en-US" sz="1900" b="0" i="0" u="none" strike="noStrike" dirty="0">
-                          <a:effectLst/>
-                          <a:latin typeface="+mn-ea"/>
-                          <a:ea typeface="+mn-ea"/>
-                        </a:rPr>
-                        <a:t>구현</a:t>
-                      </a:r>
-                      <a:r>
-                        <a:rPr lang="en-US" altLang="ko-KR" sz="1900" b="0" i="0" u="none" strike="noStrike" dirty="0">
-                          <a:effectLst/>
-                          <a:latin typeface="+mn-ea"/>
-                          <a:ea typeface="+mn-ea"/>
-                        </a:rPr>
-                        <a:t>, </a:t>
-                      </a:r>
-                      <a:r>
-                        <a:rPr lang="ko-KR" altLang="en-US" sz="1900" b="0" i="0" u="none" strike="noStrike" dirty="0">
-                          <a:effectLst/>
-                          <a:latin typeface="+mn-ea"/>
-                          <a:ea typeface="+mn-ea"/>
-                        </a:rPr>
-                        <a:t>랠리 구현</a:t>
-                      </a:r>
-                    </a:p>
-                  </a:txBody>
-                  <a:tcPr marL="95927" marR="95927" marT="47964" marB="47964">
-                    <a:lnL>
-                      <a:noFill/>
-                    </a:lnL>
-                    <a:lnR>
-                      <a:noFill/>
-                    </a:lnR>
-                    <a:lnT>
-                      <a:noFill/>
-                    </a:lnT>
-                    <a:lnB>
-                      <a:noFill/>
-                    </a:lnB>
-                  </a:tcPr>
-                </a:tc>
-                <a:extLst>
-                  <a:ext uri="{0D108BD9-81ED-4DB2-BD59-A6C34878D82A}">
-                    <a16:rowId xmlns:a16="http://schemas.microsoft.com/office/drawing/2014/main" val="3803764165"/>
-                  </a:ext>
-                </a:extLst>
-              </a:tr>
-              <a:tr h="422081">
-                <a:tc>
-                  <a:txBody>
-                    <a:bodyPr/>
-                    <a:lstStyle/>
-                    <a:p>
-                      <a:pPr algn="l" fontAlgn="t" latinLnBrk="1">
-                        <a:spcBef>
-                          <a:spcPts val="0"/>
-                        </a:spcBef>
-                        <a:spcAft>
-                          <a:spcPts val="0"/>
-                        </a:spcAft>
-                      </a:pPr>
-                      <a:r>
-                        <a:rPr lang="en-US" altLang="ko-KR" sz="1900" b="0" i="0" u="none" strike="noStrike">
-                          <a:effectLst/>
-                          <a:latin typeface="+mn-ea"/>
-                          <a:ea typeface="+mn-ea"/>
-                        </a:rPr>
-                        <a:t>5</a:t>
-                      </a:r>
-                      <a:r>
-                        <a:rPr lang="ko-KR" altLang="en-US" sz="1900" b="0" i="0" u="none" strike="noStrike">
-                          <a:effectLst/>
-                          <a:latin typeface="+mn-ea"/>
-                          <a:ea typeface="+mn-ea"/>
-                        </a:rPr>
-                        <a:t>주차</a:t>
-                      </a:r>
-                    </a:p>
-                  </a:txBody>
-                  <a:tcPr marL="95927" marR="95927" marT="47964" marB="47964">
-                    <a:lnL>
-                      <a:noFill/>
-                    </a:lnL>
-                    <a:lnR>
-                      <a:noFill/>
-                    </a:lnR>
-                    <a:lnT>
-                      <a:noFill/>
-                    </a:lnT>
-                    <a:lnB>
-                      <a:noFill/>
-                    </a:lnB>
-                  </a:tcPr>
-                </a:tc>
-                <a:tc>
-                  <a:txBody>
-                    <a:bodyPr/>
-                    <a:lstStyle/>
-                    <a:p>
-                      <a:pPr algn="l" fontAlgn="t" latinLnBrk="1">
-                        <a:spcBef>
-                          <a:spcPts val="0"/>
-                        </a:spcBef>
-                        <a:spcAft>
-                          <a:spcPts val="0"/>
-                        </a:spcAft>
-                      </a:pPr>
-                      <a:r>
-                        <a:rPr lang="ko-KR" altLang="en-US" sz="1900" b="0" i="0" u="none" strike="noStrike" dirty="0">
-                          <a:effectLst/>
-                          <a:latin typeface="+mn-ea"/>
-                          <a:ea typeface="+mn-ea"/>
-                        </a:rPr>
-                        <a:t>스킬 </a:t>
-                      </a:r>
-                      <a:r>
-                        <a:rPr lang="en-US" altLang="ko-KR" sz="1900" b="0" i="0" u="none" strike="noStrike" dirty="0">
-                          <a:effectLst/>
-                          <a:latin typeface="+mn-ea"/>
-                          <a:ea typeface="+mn-ea"/>
-                        </a:rPr>
-                        <a:t>(</a:t>
-                      </a:r>
-                      <a:r>
-                        <a:rPr lang="ko-KR" altLang="en-US" sz="1900" b="0" i="0" u="none" strike="noStrike" dirty="0" err="1">
-                          <a:effectLst/>
-                          <a:latin typeface="+mn-ea"/>
-                          <a:ea typeface="+mn-ea"/>
-                        </a:rPr>
-                        <a:t>대쉬</a:t>
-                      </a:r>
-                      <a:r>
-                        <a:rPr lang="en-US" altLang="ko-KR" sz="1900" b="0" i="0" u="none" strike="noStrike" dirty="0">
-                          <a:effectLst/>
-                          <a:latin typeface="+mn-ea"/>
-                          <a:ea typeface="+mn-ea"/>
-                        </a:rPr>
-                        <a:t>, </a:t>
-                      </a:r>
-                      <a:r>
-                        <a:rPr lang="ko-KR" altLang="en-US" sz="1900" b="0" i="0" u="none" strike="noStrike" dirty="0" err="1">
-                          <a:effectLst/>
-                          <a:latin typeface="+mn-ea"/>
-                          <a:ea typeface="+mn-ea"/>
-                        </a:rPr>
-                        <a:t>스매쉬</a:t>
-                      </a:r>
-                      <a:r>
-                        <a:rPr lang="ko-KR" altLang="en-US" sz="1900" b="0" i="0" u="none" strike="noStrike" dirty="0">
-                          <a:effectLst/>
-                          <a:latin typeface="+mn-ea"/>
-                          <a:ea typeface="+mn-ea"/>
-                        </a:rPr>
-                        <a:t> 기술 등</a:t>
-                      </a:r>
-                      <a:r>
-                        <a:rPr lang="en-US" altLang="ko-KR" sz="1900" b="0" i="0" u="none" strike="noStrike" dirty="0">
-                          <a:effectLst/>
-                          <a:latin typeface="+mn-ea"/>
-                          <a:ea typeface="+mn-ea"/>
-                        </a:rPr>
-                        <a:t>) </a:t>
-                      </a:r>
-                      <a:r>
-                        <a:rPr lang="ko-KR" altLang="en-US" sz="1900" b="0" i="0" u="none" strike="noStrike" dirty="0">
-                          <a:effectLst/>
-                          <a:latin typeface="+mn-ea"/>
-                          <a:ea typeface="+mn-ea"/>
-                        </a:rPr>
-                        <a:t>구현</a:t>
-                      </a:r>
-                    </a:p>
-                  </a:txBody>
-                  <a:tcPr marL="95927" marR="95927" marT="47964" marB="47964">
-                    <a:lnL>
-                      <a:noFill/>
-                    </a:lnL>
-                    <a:lnR>
-                      <a:noFill/>
-                    </a:lnR>
-                    <a:lnT>
-                      <a:noFill/>
-                    </a:lnT>
-                    <a:lnB>
-                      <a:noFill/>
-                    </a:lnB>
-                  </a:tcPr>
-                </a:tc>
-                <a:extLst>
-                  <a:ext uri="{0D108BD9-81ED-4DB2-BD59-A6C34878D82A}">
-                    <a16:rowId xmlns:a16="http://schemas.microsoft.com/office/drawing/2014/main" val="209258623"/>
-                  </a:ext>
-                </a:extLst>
-              </a:tr>
-              <a:tr h="422081">
-                <a:tc>
-                  <a:txBody>
-                    <a:bodyPr/>
-                    <a:lstStyle/>
-                    <a:p>
-                      <a:pPr algn="l" fontAlgn="t" latinLnBrk="1">
-                        <a:spcBef>
-                          <a:spcPts val="0"/>
-                        </a:spcBef>
-                        <a:spcAft>
-                          <a:spcPts val="0"/>
-                        </a:spcAft>
-                      </a:pPr>
-                      <a:r>
-                        <a:rPr lang="en-US" altLang="ko-KR" sz="1900" b="0" i="0" u="none" strike="noStrike">
-                          <a:effectLst/>
-                          <a:latin typeface="+mn-ea"/>
-                          <a:ea typeface="+mn-ea"/>
-                        </a:rPr>
-                        <a:t>6</a:t>
-                      </a:r>
-                      <a:r>
-                        <a:rPr lang="ko-KR" altLang="en-US" sz="1900" b="0" i="0" u="none" strike="noStrike">
-                          <a:effectLst/>
-                          <a:latin typeface="+mn-ea"/>
-                          <a:ea typeface="+mn-ea"/>
-                        </a:rPr>
-                        <a:t>주차</a:t>
-                      </a:r>
-                    </a:p>
-                  </a:txBody>
-                  <a:tcPr marL="95927" marR="95927" marT="47964" marB="47964">
-                    <a:lnL>
-                      <a:noFill/>
-                    </a:lnL>
-                    <a:lnR>
-                      <a:noFill/>
-                    </a:lnR>
-                    <a:lnT>
-                      <a:noFill/>
-                    </a:lnT>
-                    <a:lnB>
-                      <a:noFill/>
-                    </a:lnB>
-                  </a:tcPr>
-                </a:tc>
-                <a:tc>
-                  <a:txBody>
-                    <a:bodyPr/>
-                    <a:lstStyle/>
-                    <a:p>
-                      <a:pPr algn="l" fontAlgn="t" latinLnBrk="1">
-                        <a:spcBef>
-                          <a:spcPts val="0"/>
-                        </a:spcBef>
-                        <a:spcAft>
-                          <a:spcPts val="0"/>
-                        </a:spcAft>
-                      </a:pPr>
-                      <a:r>
-                        <a:rPr lang="ko-KR" altLang="en-US" sz="1900" b="0" i="0" u="none" strike="noStrike" dirty="0">
-                          <a:effectLst/>
-                          <a:latin typeface="+mn-ea"/>
-                          <a:ea typeface="+mn-ea"/>
-                        </a:rPr>
-                        <a:t>스테이지</a:t>
-                      </a:r>
-                      <a:r>
-                        <a:rPr lang="en-US" altLang="ko-KR" sz="1900" b="0" i="0" u="none" strike="noStrike" dirty="0">
-                          <a:effectLst/>
-                          <a:latin typeface="+mn-ea"/>
-                          <a:ea typeface="+mn-ea"/>
-                        </a:rPr>
-                        <a:t>, </a:t>
-                      </a:r>
-                      <a:r>
-                        <a:rPr lang="ko-KR" altLang="en-US" sz="1900" b="0" i="0" u="none" strike="noStrike" dirty="0">
-                          <a:effectLst/>
-                          <a:latin typeface="+mn-ea"/>
-                          <a:ea typeface="+mn-ea"/>
-                        </a:rPr>
-                        <a:t>점수 구현</a:t>
-                      </a:r>
-                    </a:p>
-                  </a:txBody>
-                  <a:tcPr marL="95927" marR="95927" marT="47964" marB="47964">
-                    <a:lnL>
-                      <a:noFill/>
-                    </a:lnL>
-                    <a:lnR>
-                      <a:noFill/>
-                    </a:lnR>
-                    <a:lnT>
-                      <a:noFill/>
-                    </a:lnT>
-                    <a:lnB>
-                      <a:noFill/>
-                    </a:lnB>
-                  </a:tcPr>
-                </a:tc>
-                <a:extLst>
-                  <a:ext uri="{0D108BD9-81ED-4DB2-BD59-A6C34878D82A}">
-                    <a16:rowId xmlns:a16="http://schemas.microsoft.com/office/drawing/2014/main" val="1411126893"/>
-                  </a:ext>
-                </a:extLst>
-              </a:tr>
-              <a:tr h="422081">
-                <a:tc>
-                  <a:txBody>
-                    <a:bodyPr/>
-                    <a:lstStyle/>
-                    <a:p>
-                      <a:pPr algn="l" fontAlgn="t" latinLnBrk="1">
-                        <a:spcBef>
-                          <a:spcPts val="0"/>
-                        </a:spcBef>
-                        <a:spcAft>
-                          <a:spcPts val="0"/>
-                        </a:spcAft>
-                      </a:pPr>
-                      <a:r>
-                        <a:rPr lang="en-US" altLang="ko-KR" sz="1900" b="0" i="0" u="none" strike="noStrike" dirty="0">
-                          <a:effectLst/>
-                          <a:latin typeface="+mn-ea"/>
-                          <a:ea typeface="+mn-ea"/>
-                        </a:rPr>
-                        <a:t>7</a:t>
-                      </a:r>
-                      <a:r>
-                        <a:rPr lang="ko-KR" altLang="en-US" sz="1900" b="0" i="0" u="none" strike="noStrike" dirty="0">
-                          <a:effectLst/>
-                          <a:latin typeface="+mn-ea"/>
-                          <a:ea typeface="+mn-ea"/>
-                        </a:rPr>
-                        <a:t>주차</a:t>
-                      </a:r>
-                    </a:p>
-                  </a:txBody>
-                  <a:tcPr marL="95927" marR="95927" marT="47964" marB="47964">
-                    <a:lnL>
-                      <a:noFill/>
-                    </a:lnL>
-                    <a:lnR>
-                      <a:noFill/>
-                    </a:lnR>
-                    <a:lnT>
-                      <a:noFill/>
-                    </a:lnT>
-                    <a:lnB>
-                      <a:noFill/>
-                    </a:lnB>
-                  </a:tcPr>
-                </a:tc>
-                <a:tc>
-                  <a:txBody>
-                    <a:bodyPr/>
-                    <a:lstStyle/>
-                    <a:p>
-                      <a:pPr algn="l" fontAlgn="t" latinLnBrk="1">
-                        <a:spcBef>
-                          <a:spcPts val="0"/>
-                        </a:spcBef>
-                        <a:spcAft>
-                          <a:spcPts val="0"/>
-                        </a:spcAft>
-                      </a:pPr>
-                      <a:r>
-                        <a:rPr lang="ko-KR" altLang="en-US" sz="1900" b="0" i="0" u="none" strike="noStrike" dirty="0">
-                          <a:effectLst/>
-                          <a:latin typeface="+mn-ea"/>
-                          <a:ea typeface="+mn-ea"/>
-                        </a:rPr>
-                        <a:t>테스트게임을 통한 </a:t>
-                      </a:r>
-                      <a:r>
-                        <a:rPr lang="ko-KR" altLang="en-US" sz="1900" b="0" i="0" u="none" strike="noStrike" dirty="0" err="1">
-                          <a:effectLst/>
-                          <a:latin typeface="+mn-ea"/>
-                          <a:ea typeface="+mn-ea"/>
-                        </a:rPr>
-                        <a:t>밸런싱</a:t>
-                      </a:r>
-                      <a:r>
-                        <a:rPr lang="ko-KR" altLang="en-US" sz="1900" b="0" i="0" u="none" strike="noStrike" dirty="0">
-                          <a:effectLst/>
-                          <a:latin typeface="+mn-ea"/>
-                          <a:ea typeface="+mn-ea"/>
-                        </a:rPr>
-                        <a:t> 패치</a:t>
-                      </a:r>
-                    </a:p>
-                  </a:txBody>
-                  <a:tcPr marL="95927" marR="95927" marT="47964" marB="47964">
-                    <a:lnL>
-                      <a:noFill/>
-                    </a:lnL>
-                    <a:lnR>
-                      <a:noFill/>
-                    </a:lnR>
-                    <a:lnT>
-                      <a:noFill/>
-                    </a:lnT>
-                    <a:lnB>
-                      <a:noFill/>
-                    </a:lnB>
-                  </a:tcPr>
-                </a:tc>
-                <a:extLst>
-                  <a:ext uri="{0D108BD9-81ED-4DB2-BD59-A6C34878D82A}">
-                    <a16:rowId xmlns:a16="http://schemas.microsoft.com/office/drawing/2014/main" val="1542364302"/>
-                  </a:ext>
-                </a:extLst>
-              </a:tr>
-              <a:tr h="422081">
-                <a:tc>
-                  <a:txBody>
-                    <a:bodyPr/>
-                    <a:lstStyle/>
-                    <a:p>
-                      <a:pPr algn="l" fontAlgn="t" latinLnBrk="1">
-                        <a:spcBef>
-                          <a:spcPts val="0"/>
-                        </a:spcBef>
-                        <a:spcAft>
-                          <a:spcPts val="0"/>
-                        </a:spcAft>
-                      </a:pPr>
-                      <a:r>
-                        <a:rPr lang="en-US" altLang="ko-KR" sz="1900" b="0" i="0" u="none" strike="noStrike" dirty="0">
-                          <a:effectLst/>
-                          <a:latin typeface="+mn-ea"/>
-                          <a:ea typeface="+mn-ea"/>
-                        </a:rPr>
-                        <a:t>8</a:t>
-                      </a:r>
-                      <a:r>
-                        <a:rPr lang="ko-KR" altLang="en-US" sz="1900" b="0" i="0" u="none" strike="noStrike" dirty="0">
-                          <a:effectLst/>
-                          <a:latin typeface="+mn-ea"/>
-                          <a:ea typeface="+mn-ea"/>
-                        </a:rPr>
-                        <a:t>주차</a:t>
-                      </a:r>
-                    </a:p>
-                  </a:txBody>
-                  <a:tcPr marL="95927" marR="95927" marT="47964" marB="47964">
-                    <a:lnL>
-                      <a:noFill/>
-                    </a:lnL>
-                    <a:lnR>
-                      <a:noFill/>
-                    </a:lnR>
-                    <a:lnT>
-                      <a:noFill/>
-                    </a:lnT>
-                    <a:lnB>
-                      <a:noFill/>
-                    </a:lnB>
-                  </a:tcPr>
-                </a:tc>
-                <a:tc>
-                  <a:txBody>
-                    <a:bodyPr/>
-                    <a:lstStyle/>
-                    <a:p>
-                      <a:pPr algn="l" fontAlgn="t" latinLnBrk="1">
-                        <a:spcBef>
-                          <a:spcPts val="0"/>
-                        </a:spcBef>
-                        <a:spcAft>
-                          <a:spcPts val="0"/>
-                        </a:spcAft>
-                      </a:pPr>
-                      <a:r>
-                        <a:rPr lang="ko-KR" altLang="en-US" sz="1900" b="0" i="0" u="none" strike="noStrike" dirty="0">
-                          <a:effectLst/>
-                          <a:latin typeface="+mn-ea"/>
-                          <a:ea typeface="+mn-ea"/>
-                        </a:rPr>
-                        <a:t>추가할부분과 부족한부분 보완</a:t>
-                      </a:r>
-                    </a:p>
-                  </a:txBody>
-                  <a:tcPr marL="95927" marR="95927" marT="47964" marB="47964">
-                    <a:lnL>
-                      <a:noFill/>
-                    </a:lnL>
-                    <a:lnR>
-                      <a:noFill/>
-                    </a:lnR>
-                    <a:lnT>
-                      <a:noFill/>
-                    </a:lnT>
-                    <a:lnB>
-                      <a:noFill/>
-                    </a:lnB>
-                  </a:tcPr>
-                </a:tc>
-                <a:extLst>
-                  <a:ext uri="{0D108BD9-81ED-4DB2-BD59-A6C34878D82A}">
-                    <a16:rowId xmlns:a16="http://schemas.microsoft.com/office/drawing/2014/main" val="3523511291"/>
-                  </a:ext>
-                </a:extLst>
-              </a:tr>
-              <a:tr h="422081">
-                <a:tc>
-                  <a:txBody>
-                    <a:bodyPr/>
-                    <a:lstStyle/>
-                    <a:p>
-                      <a:pPr algn="l" fontAlgn="t" latinLnBrk="1">
-                        <a:spcBef>
-                          <a:spcPts val="0"/>
-                        </a:spcBef>
-                        <a:spcAft>
-                          <a:spcPts val="0"/>
-                        </a:spcAft>
-                      </a:pPr>
-                      <a:endParaRPr lang="ko-KR" altLang="en-US" sz="1900" b="0" i="0" u="none" strike="noStrike" dirty="0">
-                        <a:effectLst/>
-                        <a:latin typeface="+mn-ea"/>
-                        <a:ea typeface="+mn-ea"/>
-                      </a:endParaRPr>
-                    </a:p>
-                  </a:txBody>
-                  <a:tcPr marL="95927" marR="95927" marT="47964" marB="47964">
-                    <a:lnL>
-                      <a:noFill/>
-                    </a:lnL>
-                    <a:lnR>
-                      <a:noFill/>
-                    </a:lnR>
-                    <a:lnT>
-                      <a:noFill/>
-                    </a:lnT>
-                    <a:lnB>
-                      <a:noFill/>
-                    </a:lnB>
-                  </a:tcPr>
-                </a:tc>
-                <a:tc>
-                  <a:txBody>
-                    <a:bodyPr/>
-                    <a:lstStyle/>
-                    <a:p>
-                      <a:pPr algn="l" fontAlgn="t" latinLnBrk="1">
-                        <a:spcBef>
-                          <a:spcPts val="0"/>
-                        </a:spcBef>
-                        <a:spcAft>
-                          <a:spcPts val="0"/>
-                        </a:spcAft>
-                      </a:pPr>
-                      <a:endParaRPr lang="ko-KR" altLang="en-US" sz="1900" b="0" i="0" u="none" strike="noStrike" dirty="0">
-                        <a:effectLst/>
-                        <a:latin typeface="+mn-ea"/>
-                        <a:ea typeface="+mn-ea"/>
-                      </a:endParaRPr>
-                    </a:p>
-                  </a:txBody>
-                  <a:tcPr marL="95927" marR="95927" marT="47964" marB="47964">
-                    <a:lnL>
-                      <a:noFill/>
-                    </a:lnL>
-                    <a:lnR>
-                      <a:noFill/>
-                    </a:lnR>
-                    <a:lnT>
-                      <a:noFill/>
-                    </a:lnT>
-                    <a:lnB>
-                      <a:noFill/>
-                    </a:lnB>
-                  </a:tcPr>
-                </a:tc>
-                <a:extLst>
-                  <a:ext uri="{0D108BD9-81ED-4DB2-BD59-A6C34878D82A}">
-                    <a16:rowId xmlns:a16="http://schemas.microsoft.com/office/drawing/2014/main" val="2403865634"/>
-                  </a:ext>
-                </a:extLst>
-              </a:tr>
-            </a:tbl>
-          </a:graphicData>
-        </a:graphic>
-      </p:graphicFrame>
+      </p:pic>
     </p:spTree>
     <p:extLst>
       <p:ext uri="{BB962C8B-B14F-4D97-AF65-F5344CB8AC3E}">
-        <p14:creationId xmlns:p14="http://schemas.microsoft.com/office/powerpoint/2010/main" val="2675320734"/>
+        <p14:creationId xmlns:p14="http://schemas.microsoft.com/office/powerpoint/2010/main" val="879713633"/>
       </p:ext>
     </p:extLst>
   </p:cSld>

--- a/2020182028이규원_2차 발표자료.pptx
+++ b/2020182028이규원_2차 발표자료.pptx
@@ -3676,14 +3676,14 @@
           <p:nvPr>
             <p:extLst>
               <p:ext uri="{D42A27DB-BD31-4B8C-83A1-F6EECF244321}">
-                <p14:modId xmlns:p14="http://schemas.microsoft.com/office/powerpoint/2010/main" val="1779558597"/>
+                <p14:modId xmlns:p14="http://schemas.microsoft.com/office/powerpoint/2010/main" val="1828411197"/>
               </p:ext>
             </p:extLst>
           </p:nvPr>
         </p:nvGraphicFramePr>
         <p:xfrm>
           <a:off x="1217155" y="1285875"/>
-          <a:ext cx="8892451" cy="5345064"/>
+          <a:ext cx="8892451" cy="5097066"/>
         </p:xfrm>
         <a:graphic>
           <a:graphicData uri="http://schemas.openxmlformats.org/drawingml/2006/table">
@@ -4155,16 +4155,16 @@
                     <a:p>
                       <a:pPr latinLnBrk="1"/>
                       <a:r>
+                        <a:rPr lang="ko-KR" altLang="en-US" dirty="0" err="1"/>
+                        <a:t>충돌체</a:t>
+                      </a:r>
+                      <a:r>
+                        <a:rPr lang="en-US" altLang="ko-KR" dirty="0"/>
+                        <a:t> </a:t>
+                      </a:r>
+                      <a:r>
                         <a:rPr lang="ko-KR" altLang="en-US" dirty="0"/>
-                        <a:t>포물선 이동 및 서브</a:t>
-                      </a:r>
-                      <a:r>
-                        <a:rPr lang="en-US" altLang="ko-KR" dirty="0"/>
-                        <a:t>, </a:t>
-                      </a:r>
-                      <a:r>
-                        <a:rPr lang="ko-KR" altLang="en-US" dirty="0"/>
-                        <a:t>충돌 구현</a:t>
+                        <a:t>구현 및 반응 확인</a:t>
                       </a:r>
                     </a:p>
                   </a:txBody>
@@ -4301,15 +4301,23 @@
                       <a:pPr latinLnBrk="1"/>
                       <a:r>
                         <a:rPr lang="ko-KR" altLang="en-US" dirty="0"/>
-                        <a:t>캐릭터 없이 상대에서 디버깅으로 서브가 오는 부분만 구현</a:t>
+                        <a:t>서브</a:t>
                       </a:r>
                       <a:r>
                         <a:rPr lang="en-US" altLang="ko-KR" dirty="0"/>
-                        <a:t>, AI</a:t>
+                        <a:t>, </a:t>
                       </a:r>
                       <a:r>
                         <a:rPr lang="ko-KR" altLang="en-US" dirty="0"/>
-                        <a:t> 강의 이후 추가 예정</a:t>
+                        <a:t>공의 포물선 이동</a:t>
+                      </a:r>
+                      <a:r>
+                        <a:rPr lang="en-US" altLang="ko-KR" dirty="0"/>
+                        <a:t>, </a:t>
+                      </a:r>
+                      <a:r>
+                        <a:rPr lang="ko-KR" altLang="en-US" dirty="0"/>
+                        <a:t>충돌 시 공의 이동방향 전환</a:t>
                       </a:r>
                     </a:p>
                   </a:txBody>
